--- a/Jupyter notebook.pptx
+++ b/Jupyter notebook.pptx
@@ -5,7 +5,7 @@
     <p:sldMasterId id="2147483648" r:id="rId1"/>
   </p:sldMasterIdLst>
   <p:notesMasterIdLst>
-    <p:notesMasterId r:id="rId12"/>
+    <p:notesMasterId r:id="rId13"/>
   </p:notesMasterIdLst>
   <p:sldIdLst>
     <p:sldId id="256" r:id="rId2"/>
@@ -16,8 +16,9 @@
     <p:sldId id="265" r:id="rId7"/>
     <p:sldId id="262" r:id="rId8"/>
     <p:sldId id="264" r:id="rId9"/>
-    <p:sldId id="259" r:id="rId10"/>
-    <p:sldId id="263" r:id="rId11"/>
+    <p:sldId id="267" r:id="rId10"/>
+    <p:sldId id="268" r:id="rId11"/>
+    <p:sldId id="266" r:id="rId12"/>
   </p:sldIdLst>
   <p:sldSz cx="12192000" cy="6858000"/>
   <p:notesSz cx="6858000" cy="9144000"/>
@@ -206,7 +207,7 @@
           <a:p>
             <a:fld id="{E39C0F26-7C13-4306-99AB-AC822091156B}" type="datetimeFigureOut">
               <a:rPr lang="en-CA" smtClean="0"/>
-              <a:t>2019-11-17</a:t>
+              <a:t>2019-11-22</a:t>
             </a:fld>
             <a:endParaRPr lang="en-CA"/>
           </a:p>
@@ -689,7 +690,7 @@
           <a:p>
             <a:fld id="{0C850BFE-4552-47CD-8210-01CABF8B4339}" type="datetimeFigureOut">
               <a:rPr lang="en-CA" smtClean="0"/>
-              <a:t>2019-11-17</a:t>
+              <a:t>2019-11-22</a:t>
             </a:fld>
             <a:endParaRPr lang="en-CA"/>
           </a:p>
@@ -859,7 +860,7 @@
           <a:p>
             <a:fld id="{0C850BFE-4552-47CD-8210-01CABF8B4339}" type="datetimeFigureOut">
               <a:rPr lang="en-CA" smtClean="0"/>
-              <a:t>2019-11-17</a:t>
+              <a:t>2019-11-22</a:t>
             </a:fld>
             <a:endParaRPr lang="en-CA"/>
           </a:p>
@@ -1039,7 +1040,7 @@
           <a:p>
             <a:fld id="{0C850BFE-4552-47CD-8210-01CABF8B4339}" type="datetimeFigureOut">
               <a:rPr lang="en-CA" smtClean="0"/>
-              <a:t>2019-11-17</a:t>
+              <a:t>2019-11-22</a:t>
             </a:fld>
             <a:endParaRPr lang="en-CA"/>
           </a:p>
@@ -1209,7 +1210,7 @@
           <a:p>
             <a:fld id="{0C850BFE-4552-47CD-8210-01CABF8B4339}" type="datetimeFigureOut">
               <a:rPr lang="en-CA" smtClean="0"/>
-              <a:t>2019-11-17</a:t>
+              <a:t>2019-11-22</a:t>
             </a:fld>
             <a:endParaRPr lang="en-CA"/>
           </a:p>
@@ -1455,7 +1456,7 @@
           <a:p>
             <a:fld id="{0C850BFE-4552-47CD-8210-01CABF8B4339}" type="datetimeFigureOut">
               <a:rPr lang="en-CA" smtClean="0"/>
-              <a:t>2019-11-17</a:t>
+              <a:t>2019-11-22</a:t>
             </a:fld>
             <a:endParaRPr lang="en-CA"/>
           </a:p>
@@ -1687,7 +1688,7 @@
           <a:p>
             <a:fld id="{0C850BFE-4552-47CD-8210-01CABF8B4339}" type="datetimeFigureOut">
               <a:rPr lang="en-CA" smtClean="0"/>
-              <a:t>2019-11-17</a:t>
+              <a:t>2019-11-22</a:t>
             </a:fld>
             <a:endParaRPr lang="en-CA"/>
           </a:p>
@@ -2054,7 +2055,7 @@
           <a:p>
             <a:fld id="{0C850BFE-4552-47CD-8210-01CABF8B4339}" type="datetimeFigureOut">
               <a:rPr lang="en-CA" smtClean="0"/>
-              <a:t>2019-11-17</a:t>
+              <a:t>2019-11-22</a:t>
             </a:fld>
             <a:endParaRPr lang="en-CA"/>
           </a:p>
@@ -2172,7 +2173,7 @@
           <a:p>
             <a:fld id="{0C850BFE-4552-47CD-8210-01CABF8B4339}" type="datetimeFigureOut">
               <a:rPr lang="en-CA" smtClean="0"/>
-              <a:t>2019-11-17</a:t>
+              <a:t>2019-11-22</a:t>
             </a:fld>
             <a:endParaRPr lang="en-CA"/>
           </a:p>
@@ -2267,7 +2268,7 @@
           <a:p>
             <a:fld id="{0C850BFE-4552-47CD-8210-01CABF8B4339}" type="datetimeFigureOut">
               <a:rPr lang="en-CA" smtClean="0"/>
-              <a:t>2019-11-17</a:t>
+              <a:t>2019-11-22</a:t>
             </a:fld>
             <a:endParaRPr lang="en-CA"/>
           </a:p>
@@ -2544,7 +2545,7 @@
           <a:p>
             <a:fld id="{0C850BFE-4552-47CD-8210-01CABF8B4339}" type="datetimeFigureOut">
               <a:rPr lang="en-CA" smtClean="0"/>
-              <a:t>2019-11-17</a:t>
+              <a:t>2019-11-22</a:t>
             </a:fld>
             <a:endParaRPr lang="en-CA"/>
           </a:p>
@@ -2797,7 +2798,7 @@
           <a:p>
             <a:fld id="{0C850BFE-4552-47CD-8210-01CABF8B4339}" type="datetimeFigureOut">
               <a:rPr lang="en-CA" smtClean="0"/>
-              <a:t>2019-11-17</a:t>
+              <a:t>2019-11-22</a:t>
             </a:fld>
             <a:endParaRPr lang="en-CA"/>
           </a:p>
@@ -3010,7 +3011,7 @@
           <a:p>
             <a:fld id="{0C850BFE-4552-47CD-8210-01CABF8B4339}" type="datetimeFigureOut">
               <a:rPr lang="en-CA" smtClean="0"/>
-              <a:t>2019-11-17</a:t>
+              <a:t>2019-11-22</a:t>
             </a:fld>
             <a:endParaRPr lang="en-CA"/>
           </a:p>
@@ -3474,11 +3475,7 @@
           <a:p>
             <a:r>
               <a:rPr lang="en-CA" dirty="0" smtClean="0"/>
-              <a:t>NAFC Computing </a:t>
-            </a:r>
-            <a:r>
-              <a:rPr lang="en-CA" dirty="0" smtClean="0"/>
-              <a:t>Workshops</a:t>
+              <a:t>NAFC Computing Workshops</a:t>
             </a:r>
           </a:p>
           <a:p>
@@ -3500,6 +3497,13 @@
   <p:clrMapOvr>
     <a:masterClrMapping/>
   </p:clrMapOvr>
+  <p:timing>
+    <p:tnLst>
+      <p:par>
+        <p:cTn id="1" dur="indefinite" restart="never" nodeType="tmRoot"/>
+      </p:par>
+    </p:tnLst>
+  </p:timing>
 </p:sld>
 </file>
 
@@ -3536,6 +3540,99 @@
           <a:lstStyle/>
           <a:p>
             <a:r>
+              <a:rPr lang="en-CA" dirty="0" err="1" smtClean="0"/>
+              <a:t>Jupyter</a:t>
+            </a:r>
+            <a:r>
+              <a:rPr lang="en-CA" dirty="0" smtClean="0"/>
+              <a:t> lab, binder and more</a:t>
+            </a:r>
+            <a:endParaRPr lang="en-CA" dirty="0"/>
+          </a:p>
+        </p:txBody>
+      </p:sp>
+      <p:sp>
+        <p:nvSpPr>
+          <p:cNvPr id="3" name="Content Placeholder 2"/>
+          <p:cNvSpPr>
+            <a:spLocks noGrp="1"/>
+          </p:cNvSpPr>
+          <p:nvPr>
+            <p:ph idx="1"/>
+          </p:nvPr>
+        </p:nvSpPr>
+        <p:spPr/>
+        <p:txBody>
+          <a:bodyPr/>
+          <a:lstStyle/>
+          <a:p>
+            <a:r>
+              <a:rPr lang="en-CA" dirty="0" smtClean="0"/>
+              <a:t>Example: Ocean Parcels</a:t>
+            </a:r>
+          </a:p>
+          <a:p>
+            <a:pPr lvl="1"/>
+            <a:r>
+              <a:rPr lang="en-CA" dirty="0">
+                <a:hlinkClick r:id="rId2"/>
+              </a:rPr>
+              <a:t>https://mybinder.org/v2/gh/OceanParcels/parcels_examples_binder/master?urlpath=lab/tree/parcels_examples/parcels_tutorial.ipynb</a:t>
+            </a:r>
+            <a:endParaRPr lang="en-CA" dirty="0"/>
+          </a:p>
+          <a:p>
+            <a:pPr lvl="1"/>
+            <a:endParaRPr lang="en-CA" dirty="0"/>
+          </a:p>
+        </p:txBody>
+      </p:sp>
+    </p:spTree>
+    <p:extLst>
+      <p:ext uri="{BB962C8B-B14F-4D97-AF65-F5344CB8AC3E}">
+        <p14:creationId xmlns:p14="http://schemas.microsoft.com/office/powerpoint/2010/main" val="4282735723"/>
+      </p:ext>
+    </p:extLst>
+  </p:cSld>
+  <p:clrMapOvr>
+    <a:masterClrMapping/>
+  </p:clrMapOvr>
+</p:sld>
+</file>
+
+<file path=ppt/slides/slide11.xml><?xml version="1.0" encoding="utf-8"?>
+<p:sld xmlns:a="http://schemas.openxmlformats.org/drawingml/2006/main" xmlns:r="http://schemas.openxmlformats.org/officeDocument/2006/relationships" xmlns:p="http://schemas.openxmlformats.org/presentationml/2006/main">
+  <p:cSld>
+    <p:spTree>
+      <p:nvGrpSpPr>
+        <p:cNvPr id="1" name=""/>
+        <p:cNvGrpSpPr/>
+        <p:nvPr/>
+      </p:nvGrpSpPr>
+      <p:grpSpPr>
+        <a:xfrm>
+          <a:off x="0" y="0"/>
+          <a:ext cx="0" cy="0"/>
+          <a:chOff x="0" y="0"/>
+          <a:chExt cx="0" cy="0"/>
+        </a:xfrm>
+      </p:grpSpPr>
+      <p:sp>
+        <p:nvSpPr>
+          <p:cNvPr id="2" name="Title 1"/>
+          <p:cNvSpPr>
+            <a:spLocks noGrp="1"/>
+          </p:cNvSpPr>
+          <p:nvPr>
+            <p:ph type="title"/>
+          </p:nvPr>
+        </p:nvSpPr>
+        <p:spPr/>
+        <p:txBody>
+          <a:bodyPr/>
+          <a:lstStyle/>
+          <a:p>
+            <a:r>
               <a:rPr lang="en-CA" dirty="0" smtClean="0"/>
               <a:t>Resources</a:t>
             </a:r>
@@ -3558,6 +3655,14 @@
           <a:bodyPr/>
           <a:lstStyle/>
           <a:p>
+            <a:r>
+              <a:rPr lang="en-CA" dirty="0" err="1" smtClean="0"/>
+              <a:t>Jupyter</a:t>
+            </a:r>
+            <a:endParaRPr lang="en-CA" dirty="0" smtClean="0"/>
+          </a:p>
+          <a:p>
+            <a:pPr lvl="1"/>
             <a:r>
               <a:rPr lang="en-CA" dirty="0">
                 <a:hlinkClick r:id="rId2"/>
@@ -3566,12 +3671,79 @@
             </a:r>
             <a:endParaRPr lang="en-CA" dirty="0"/>
           </a:p>
+          <a:p>
+            <a:r>
+              <a:rPr lang="en-CA" dirty="0" smtClean="0"/>
+              <a:t>Software Carpentry Reproducible Research Lesson</a:t>
+            </a:r>
+          </a:p>
+          <a:p>
+            <a:pPr lvl="1"/>
+            <a:r>
+              <a:rPr lang="en-CA" dirty="0">
+                <a:hlinkClick r:id="rId3"/>
+              </a:rPr>
+              <a:t>https://reproducible-science-curriculum.github.io/workshop-RR-Jupyter</a:t>
+            </a:r>
+            <a:r>
+              <a:rPr lang="en-CA" dirty="0" smtClean="0">
+                <a:hlinkClick r:id="rId3"/>
+              </a:rPr>
+              <a:t>/</a:t>
+            </a:r>
+            <a:endParaRPr lang="en-CA" dirty="0"/>
+          </a:p>
+          <a:p>
+            <a:r>
+              <a:rPr lang="en-CA" dirty="0" smtClean="0"/>
+              <a:t>Interesting articles on reproducibility and </a:t>
+            </a:r>
+            <a:r>
+              <a:rPr lang="en-CA" dirty="0" err="1" smtClean="0"/>
+              <a:t>jupyter</a:t>
+            </a:r>
+            <a:endParaRPr lang="en-CA" dirty="0" smtClean="0"/>
+          </a:p>
+          <a:p>
+            <a:pPr lvl="1"/>
+            <a:r>
+              <a:rPr lang="en-CA" dirty="0">
+                <a:hlinkClick r:id="rId4"/>
+              </a:rPr>
+              <a:t>https://</a:t>
+            </a:r>
+            <a:r>
+              <a:rPr lang="en-CA" dirty="0" smtClean="0">
+                <a:hlinkClick r:id="rId4"/>
+              </a:rPr>
+              <a:t>arxiv.org/ftp/arxiv/papers/1810/1810.08055.pdf</a:t>
+            </a:r>
+            <a:endParaRPr lang="en-CA" dirty="0" smtClean="0"/>
+          </a:p>
+          <a:p>
+            <a:pPr lvl="1"/>
+            <a:r>
+              <a:rPr lang="en-CA" dirty="0">
+                <a:hlinkClick r:id="rId5"/>
+              </a:rPr>
+              <a:t>https://thenewstack.io/jupyter-notebooks-challenge-reproducibility/</a:t>
+            </a:r>
+            <a:endParaRPr lang="en-CA" dirty="0"/>
+          </a:p>
+          <a:p>
+            <a:pPr lvl="1"/>
+            <a:endParaRPr lang="en-CA" dirty="0"/>
+          </a:p>
+          <a:p>
+            <a:pPr lvl="1"/>
+            <a:endParaRPr lang="en-CA" dirty="0"/>
+          </a:p>
         </p:txBody>
       </p:sp>
     </p:spTree>
     <p:extLst>
       <p:ext uri="{BB962C8B-B14F-4D97-AF65-F5344CB8AC3E}">
-        <p14:creationId xmlns:p14="http://schemas.microsoft.com/office/powerpoint/2010/main" val="2905009124"/>
+        <p14:creationId xmlns:p14="http://schemas.microsoft.com/office/powerpoint/2010/main" val="3378608786"/>
       </p:ext>
     </p:extLst>
   </p:cSld>
@@ -3668,11 +3840,7 @@
           <a:p>
             <a:r>
               <a:rPr lang="en-CA" dirty="0" smtClean="0"/>
-              <a:t>Sharing </a:t>
-            </a:r>
-            <a:r>
-              <a:rPr lang="en-CA" dirty="0" smtClean="0"/>
-              <a:t>notebooks</a:t>
+              <a:t>Sharing notebooks</a:t>
             </a:r>
           </a:p>
           <a:p>
@@ -3694,7 +3862,6 @@
               <a:rPr lang="en-CA" dirty="0" smtClean="0"/>
               <a:t>Resources</a:t>
             </a:r>
-            <a:endParaRPr lang="en-CA" dirty="0" smtClean="0"/>
           </a:p>
         </p:txBody>
       </p:sp>
@@ -3708,6 +3875,13 @@
   <p:clrMapOvr>
     <a:masterClrMapping/>
   </p:clrMapOvr>
+  <p:timing>
+    <p:tnLst>
+      <p:par>
+        <p:cTn id="1" dur="indefinite" restart="never" nodeType="tmRoot"/>
+      </p:par>
+    </p:tnLst>
+  </p:timing>
 </p:sld>
 </file>
 
@@ -3873,11 +4047,7 @@
             </a:r>
             <a:r>
               <a:rPr lang="en-CA" dirty="0" smtClean="0"/>
-              <a:t> notebook -&gt; a digital lab </a:t>
-            </a:r>
-            <a:r>
-              <a:rPr lang="en-CA" dirty="0" smtClean="0"/>
-              <a:t>report</a:t>
+              <a:t> notebook -&gt; a digital lab report</a:t>
             </a:r>
           </a:p>
           <a:p>
@@ -4082,11 +4252,7 @@
                     <a:p>
                       <a:r>
                         <a:rPr lang="en-CA" dirty="0" smtClean="0"/>
-                        <a:t>Interactive </a:t>
-                      </a:r>
-                      <a:r>
-                        <a:rPr lang="en-CA" dirty="0" smtClean="0"/>
-                        <a:t>computing</a:t>
+                        <a:t>Interactive computing</a:t>
                       </a:r>
                       <a:endParaRPr lang="en-CA" dirty="0"/>
                     </a:p>
@@ -4110,7 +4276,6 @@
                         <a:rPr lang="en-CA" baseline="0" dirty="0" smtClean="0"/>
                         <a:t> feedback</a:t>
                       </a:r>
-                      <a:endParaRPr lang="en-CA" baseline="0" dirty="0" smtClean="0"/>
                     </a:p>
                     <a:p>
                       <a:pPr marL="285750" indent="-285750">
@@ -4376,6 +4541,9 @@
             <a:endParaRPr lang="en-CA" dirty="0" smtClean="0"/>
           </a:p>
           <a:p>
+            <a:pPr marL="0" indent="0">
+              <a:buNone/>
+            </a:pPr>
             <a:endParaRPr lang="en-CA" dirty="0" smtClean="0"/>
           </a:p>
         </p:txBody>
@@ -4469,7 +4637,7 @@
             </a:r>
             <a:r>
               <a:rPr lang="en-CA" dirty="0" smtClean="0"/>
-              <a:t> notebook is available with Anaconda installation</a:t>
+              <a:t> notebook is available with Anaconda </a:t>
             </a:r>
           </a:p>
           <a:p>
@@ -4724,7 +4892,7 @@
           <a:p>
             <a:r>
               <a:rPr lang="en-CA" dirty="0" smtClean="0"/>
-              <a:t>A new window/tab will should pop up in your web browser</a:t>
+              <a:t>A new window/tab will pop up in your web browser</a:t>
             </a:r>
           </a:p>
           <a:p>
@@ -4789,7 +4957,7 @@
           <a:p>
             <a:r>
               <a:rPr lang="en-CA" dirty="0" smtClean="0"/>
-              <a:t>Example: Ocean Parcels</a:t>
+              <a:t>Sharing notebooks</a:t>
             </a:r>
             <a:endParaRPr lang="en-CA" dirty="0"/>
           </a:p>
@@ -4810,12 +4978,46 @@
           <a:bodyPr/>
           <a:lstStyle/>
           <a:p>
+            <a:r>
+              <a:rPr lang="en-CA" dirty="0" smtClean="0"/>
+              <a:t>File -&gt; Download as</a:t>
+            </a:r>
+          </a:p>
+          <a:p>
+            <a:r>
+              <a:rPr lang="en-CA" dirty="0" err="1" smtClean="0"/>
+              <a:t>nbviewer</a:t>
+            </a:r>
+            <a:endParaRPr lang="en-CA" dirty="0" smtClean="0"/>
+          </a:p>
+          <a:p>
+            <a:pPr lvl="1"/>
             <a:r>
               <a:rPr lang="en-CA" dirty="0">
                 <a:hlinkClick r:id="rId2"/>
               </a:rPr>
-              <a:t>https://mybinder.org/v2/gh/OceanParcels/parcels_examples_binder/master?urlpath=lab/tree/parcels_examples/parcels_tutorial.ipynb</a:t>
-            </a:r>
+              <a:t>https://nbviewer.jupyter.org/</a:t>
+            </a:r>
+            <a:endParaRPr lang="en-CA" dirty="0" smtClean="0"/>
+          </a:p>
+          <a:p>
+            <a:r>
+              <a:rPr lang="en-CA" dirty="0" err="1" smtClean="0"/>
+              <a:t>Github</a:t>
+            </a:r>
+            <a:endParaRPr lang="en-CA" dirty="0" smtClean="0"/>
+          </a:p>
+          <a:p>
+            <a:pPr lvl="1"/>
+            <a:r>
+              <a:rPr lang="en-CA" dirty="0">
+                <a:hlinkClick r:id="rId3"/>
+              </a:rPr>
+              <a:t>https://github.com/nsoontie/jupyter-notebook-lesson/blob/master/A%20quick%20introduction%20to%20the%20jupyter%20notebook.ipynb</a:t>
+            </a:r>
+            <a:endParaRPr lang="en-CA" dirty="0" smtClean="0"/>
+          </a:p>
+          <a:p>
             <a:endParaRPr lang="en-CA" dirty="0"/>
           </a:p>
         </p:txBody>
@@ -4823,7 +5025,7 @@
     </p:spTree>
     <p:extLst>
       <p:ext uri="{BB962C8B-B14F-4D97-AF65-F5344CB8AC3E}">
-        <p14:creationId xmlns:p14="http://schemas.microsoft.com/office/powerpoint/2010/main" val="912081920"/>
+        <p14:creationId xmlns:p14="http://schemas.microsoft.com/office/powerpoint/2010/main" val="2104302336"/>
       </p:ext>
     </p:extLst>
   </p:cSld>
